--- a/Presentation.pptx
+++ b/Presentation.pptx
@@ -6390,6 +6390,36 @@
           </a:prstGeom>
         </p:spPr>
       </p:pic>
+      <p:pic>
+        <p:nvPicPr>
+          <p:cNvPr id="3" name="Picture 2">
+            <a:extLst>
+              <a:ext uri="{FF2B5EF4-FFF2-40B4-BE49-F238E27FC236}">
+                <a16:creationId xmlns:a16="http://schemas.microsoft.com/office/drawing/2014/main" id="{CF5CF14C-38C5-4E81-8DB1-95D9CDD3B71A}"/>
+              </a:ext>
+            </a:extLst>
+          </p:cNvPr>
+          <p:cNvPicPr>
+            <a:picLocks noChangeAspect="1"/>
+          </p:cNvPicPr>
+          <p:nvPr/>
+        </p:nvPicPr>
+        <p:blipFill>
+          <a:blip r:embed="rId5"/>
+          <a:stretch>
+            <a:fillRect/>
+          </a:stretch>
+        </p:blipFill>
+        <p:spPr>
+          <a:xfrm>
+            <a:off x="5391150" y="4323051"/>
+            <a:ext cx="1781175" cy="809625"/>
+          </a:xfrm>
+          <a:prstGeom prst="rect">
+            <a:avLst/>
+          </a:prstGeom>
+        </p:spPr>
+      </p:pic>
     </p:spTree>
     <p:extLst>
       <p:ext uri="{BB962C8B-B14F-4D97-AF65-F5344CB8AC3E}">
@@ -6598,6 +6628,36 @@
           <a:xfrm>
             <a:off x="7781057" y="2093795"/>
             <a:ext cx="3660630" cy="2670407"/>
+          </a:xfrm>
+          <a:prstGeom prst="rect">
+            <a:avLst/>
+          </a:prstGeom>
+        </p:spPr>
+      </p:pic>
+      <p:pic>
+        <p:nvPicPr>
+          <p:cNvPr id="6" name="Picture 5">
+            <a:extLst>
+              <a:ext uri="{FF2B5EF4-FFF2-40B4-BE49-F238E27FC236}">
+                <a16:creationId xmlns:a16="http://schemas.microsoft.com/office/drawing/2014/main" id="{820E923A-41E8-498D-BF53-F34BA23D5926}"/>
+              </a:ext>
+            </a:extLst>
+          </p:cNvPr>
+          <p:cNvPicPr>
+            <a:picLocks noChangeAspect="1"/>
+          </p:cNvPicPr>
+          <p:nvPr/>
+        </p:nvPicPr>
+        <p:blipFill>
+          <a:blip r:embed="rId5"/>
+          <a:stretch>
+            <a:fillRect/>
+          </a:stretch>
+        </p:blipFill>
+        <p:spPr>
+          <a:xfrm>
+            <a:off x="5205411" y="4982443"/>
+            <a:ext cx="1781175" cy="828675"/>
           </a:xfrm>
           <a:prstGeom prst="rect">
             <a:avLst/>
@@ -6808,6 +6868,36 @@
           </a:prstGeom>
         </p:spPr>
       </p:pic>
+      <p:pic>
+        <p:nvPicPr>
+          <p:cNvPr id="5" name="Picture 4">
+            <a:extLst>
+              <a:ext uri="{FF2B5EF4-FFF2-40B4-BE49-F238E27FC236}">
+                <a16:creationId xmlns:a16="http://schemas.microsoft.com/office/drawing/2014/main" id="{7AF7E4D9-551E-4699-80F8-95386EE13B9F}"/>
+              </a:ext>
+            </a:extLst>
+          </p:cNvPr>
+          <p:cNvPicPr>
+            <a:picLocks noChangeAspect="1"/>
+          </p:cNvPicPr>
+          <p:nvPr/>
+        </p:nvPicPr>
+        <p:blipFill>
+          <a:blip r:embed="rId5"/>
+          <a:stretch>
+            <a:fillRect/>
+          </a:stretch>
+        </p:blipFill>
+        <p:spPr>
+          <a:xfrm>
+            <a:off x="4843243" y="4782848"/>
+            <a:ext cx="1800225" cy="866775"/>
+          </a:xfrm>
+          <a:prstGeom prst="rect">
+            <a:avLst/>
+          </a:prstGeom>
+        </p:spPr>
+      </p:pic>
     </p:spTree>
     <p:extLst>
       <p:ext uri="{BB962C8B-B14F-4D97-AF65-F5344CB8AC3E}">
@@ -7010,6 +7100,36 @@
           <a:xfrm>
             <a:off x="7484599" y="1992838"/>
             <a:ext cx="4057512" cy="2890885"/>
+          </a:xfrm>
+          <a:prstGeom prst="rect">
+            <a:avLst/>
+          </a:prstGeom>
+        </p:spPr>
+      </p:pic>
+      <p:pic>
+        <p:nvPicPr>
+          <p:cNvPr id="8" name="Picture 7">
+            <a:extLst>
+              <a:ext uri="{FF2B5EF4-FFF2-40B4-BE49-F238E27FC236}">
+                <a16:creationId xmlns:a16="http://schemas.microsoft.com/office/drawing/2014/main" id="{74A07F2F-E38B-4C70-99E5-11C1F2BAC7B1}"/>
+              </a:ext>
+            </a:extLst>
+          </p:cNvPr>
+          <p:cNvPicPr>
+            <a:picLocks noChangeAspect="1"/>
+          </p:cNvPicPr>
+          <p:nvPr/>
+        </p:nvPicPr>
+        <p:blipFill>
+          <a:blip r:embed="rId5"/>
+          <a:stretch>
+            <a:fillRect/>
+          </a:stretch>
+        </p:blipFill>
+        <p:spPr>
+          <a:xfrm>
+            <a:off x="5083319" y="4792482"/>
+            <a:ext cx="1838325" cy="838200"/>
           </a:xfrm>
           <a:prstGeom prst="rect">
             <a:avLst/>
@@ -8451,7 +8571,10 @@
           <a:bodyPr/>
           <a:lstStyle/>
           <a:p>
-            <a:endParaRPr lang="en-CA"/>
+            <a:r>
+              <a:rPr lang="en-CA" dirty="0"/>
+              <a:t>-</a:t>
+            </a:r>
           </a:p>
         </p:txBody>
       </p:sp>
@@ -8570,7 +8693,7 @@
         </p:blipFill>
         <p:spPr>
           <a:xfrm>
-            <a:off x="5209085" y="2455101"/>
+            <a:off x="5093833" y="2455101"/>
             <a:ext cx="1773829" cy="1763333"/>
           </a:xfrm>
           <a:prstGeom prst="rect">
@@ -8602,6 +8725,36 @@
           <a:xfrm>
             <a:off x="7254094" y="1707943"/>
             <a:ext cx="4647267" cy="3442114"/>
+          </a:xfrm>
+          <a:prstGeom prst="rect">
+            <a:avLst/>
+          </a:prstGeom>
+        </p:spPr>
+      </p:pic>
+      <p:pic>
+        <p:nvPicPr>
+          <p:cNvPr id="5" name="Picture 4">
+            <a:extLst>
+              <a:ext uri="{FF2B5EF4-FFF2-40B4-BE49-F238E27FC236}">
+                <a16:creationId xmlns:a16="http://schemas.microsoft.com/office/drawing/2014/main" id="{5F0A4999-FF28-42E4-A596-4EAF2CCD0153}"/>
+              </a:ext>
+            </a:extLst>
+          </p:cNvPr>
+          <p:cNvPicPr>
+            <a:picLocks noChangeAspect="1"/>
+          </p:cNvPicPr>
+          <p:nvPr/>
+        </p:nvPicPr>
+        <p:blipFill>
+          <a:blip r:embed="rId5"/>
+          <a:stretch>
+            <a:fillRect/>
+          </a:stretch>
+        </p:blipFill>
+        <p:spPr>
+          <a:xfrm>
+            <a:off x="4912126" y="4721432"/>
+            <a:ext cx="1762125" cy="857250"/>
           </a:xfrm>
           <a:prstGeom prst="rect">
             <a:avLst/>
